--- a/graphs/SPEC2006.pptx
+++ b/graphs/SPEC2006.pptx
@@ -2,12 +2,12 @@
 <file path=ppt/presentation.xml><?xml version="1.0" encoding="utf-8"?>
 <p:presentation xmlns:a="http://schemas.openxmlformats.org/drawingml/2006/main" xmlns:r="http://schemas.openxmlformats.org/officeDocument/2006/relationships" xmlns:p="http://schemas.openxmlformats.org/presentationml/2006/main" saveSubsetFonts="1">
   <p:sldMasterIdLst>
-    <p:sldMasterId id="2147483708" r:id="rId1"/>
+    <p:sldMasterId id="2147483732" r:id="rId1"/>
   </p:sldMasterIdLst>
   <p:sldIdLst>
     <p:sldId id="256" r:id="rId2"/>
   </p:sldIdLst>
-  <p:sldSz cx="9601200" cy="6400800"/>
+  <p:sldSz cx="6035675" cy="5851525"/>
   <p:notesSz cx="6858000" cy="9144000"/>
   <p:defaultTextStyle>
     <a:defPPr>
@@ -133,10 +133,10 @@
           <c:layoutTarget val="inner"/>
           <c:xMode val="edge"/>
           <c:yMode val="edge"/>
-          <c:x val="0.18111712333312313"/>
-          <c:y val="4.2266305874026661E-2"/>
-          <c:w val="0.55389280950832154"/>
-          <c:h val="0.8543768291910897"/>
+          <c:x val="0.22109610293730245"/>
+          <c:y val="4.4436621222672723E-2"/>
+          <c:w val="0.75589171979798775"/>
+          <c:h val="0.76322104066888563"/>
         </c:manualLayout>
       </c:layout>
       <c:barChart>
@@ -175,7 +175,7 @@
               <c:strCache>
                 <c:ptCount val="2"/>
                 <c:pt idx="0">
-                  <c:v>Memory Intensive</c:v>
+                  <c:v>Mem Intensive</c:v>
                 </c:pt>
                 <c:pt idx="1">
                   <c:v>All</c:v>
@@ -231,7 +231,7 @@
               <c:strCache>
                 <c:ptCount val="2"/>
                 <c:pt idx="0">
-                  <c:v>Memory Intensive</c:v>
+                  <c:v>Mem Intensive</c:v>
                 </c:pt>
                 <c:pt idx="1">
                   <c:v>All</c:v>
@@ -287,7 +287,7 @@
               <c:strCache>
                 <c:ptCount val="2"/>
                 <c:pt idx="0">
-                  <c:v>Memory Intensive</c:v>
+                  <c:v>Mem Intensive</c:v>
                 </c:pt>
                 <c:pt idx="1">
                   <c:v>All</c:v>
@@ -343,7 +343,7 @@
               <c:strCache>
                 <c:ptCount val="2"/>
                 <c:pt idx="0">
-                  <c:v>Memory Intensive</c:v>
+                  <c:v>Mem Intensive</c:v>
                 </c:pt>
                 <c:pt idx="1">
                   <c:v>All</c:v>
@@ -492,8 +492,8 @@
             <c:manualLayout>
               <c:xMode val="edge"/>
               <c:yMode val="edge"/>
-              <c:x val="2.1176314865986062E-2"/>
-              <c:y val="0.24695144356955381"/>
+              <c:x val="1.3469912390894482E-4"/>
+              <c:y val="0.24695152118464844"/>
             </c:manualLayout>
           </c:layout>
           <c:overlay val="0"/>
@@ -564,15 +564,15 @@
       </c:spPr>
     </c:plotArea>
     <c:legend>
-      <c:legendPos val="r"/>
+      <c:legendPos val="b"/>
       <c:layout>
         <c:manualLayout>
           <c:xMode val="edge"/>
           <c:yMode val="edge"/>
-          <c:x val="0.71916793454387384"/>
-          <c:y val="0.10103893263342083"/>
-          <c:w val="0.27950767988320985"/>
-          <c:h val="0.40651371112462364"/>
+          <c:x val="6.2624986041326935E-2"/>
+          <c:y val="0.92035836811771288"/>
+          <c:w val="0.8999999005910525"/>
+          <c:h val="7.9641631882287095E-2"/>
         </c:manualLayout>
       </c:layout>
       <c:overlay val="0"/>
@@ -1203,15 +1203,15 @@
         </p:nvSpPr>
         <p:spPr>
           <a:xfrm>
-            <a:off x="720090" y="1047539"/>
-            <a:ext cx="8161020" cy="2228427"/>
+            <a:off x="452676" y="957646"/>
+            <a:ext cx="5130324" cy="2037198"/>
           </a:xfrm>
         </p:spPr>
         <p:txBody>
           <a:bodyPr anchor="b"/>
           <a:lstStyle>
             <a:lvl1pPr algn="ctr">
-              <a:defRPr sz="5600"/>
+              <a:defRPr sz="3961"/>
             </a:lvl1pPr>
           </a:lstStyle>
           <a:p>
@@ -1235,8 +1235,8 @@
         </p:nvSpPr>
         <p:spPr>
           <a:xfrm>
-            <a:off x="1200150" y="3361902"/>
-            <a:ext cx="7200900" cy="1545378"/>
+            <a:off x="754460" y="3073405"/>
+            <a:ext cx="4526756" cy="1412764"/>
           </a:xfrm>
         </p:spPr>
         <p:txBody>
@@ -1244,39 +1244,39 @@
           <a:lstStyle>
             <a:lvl1pPr marL="0" indent="0" algn="ctr">
               <a:buNone/>
-              <a:defRPr sz="2240"/>
+              <a:defRPr sz="1584"/>
             </a:lvl1pPr>
-            <a:lvl2pPr marL="426705" indent="0" algn="ctr">
-              <a:buNone/>
-              <a:defRPr sz="1867"/>
+            <a:lvl2pPr marL="301798" indent="0" algn="ctr">
+              <a:buNone/>
+              <a:defRPr sz="1320"/>
             </a:lvl2pPr>
-            <a:lvl3pPr marL="853410" indent="0" algn="ctr">
-              <a:buNone/>
-              <a:defRPr sz="1680"/>
+            <a:lvl3pPr marL="603595" indent="0" algn="ctr">
+              <a:buNone/>
+              <a:defRPr sz="1188"/>
             </a:lvl3pPr>
-            <a:lvl4pPr marL="1280114" indent="0" algn="ctr">
-              <a:buNone/>
-              <a:defRPr sz="1493"/>
+            <a:lvl4pPr marL="905393" indent="0" algn="ctr">
+              <a:buNone/>
+              <a:defRPr sz="1056"/>
             </a:lvl4pPr>
-            <a:lvl5pPr marL="1706819" indent="0" algn="ctr">
-              <a:buNone/>
-              <a:defRPr sz="1493"/>
+            <a:lvl5pPr marL="1207191" indent="0" algn="ctr">
+              <a:buNone/>
+              <a:defRPr sz="1056"/>
             </a:lvl5pPr>
-            <a:lvl6pPr marL="2133524" indent="0" algn="ctr">
-              <a:buNone/>
-              <a:defRPr sz="1493"/>
+            <a:lvl6pPr marL="1508989" indent="0" algn="ctr">
+              <a:buNone/>
+              <a:defRPr sz="1056"/>
             </a:lvl6pPr>
-            <a:lvl7pPr marL="2560229" indent="0" algn="ctr">
-              <a:buNone/>
-              <a:defRPr sz="1493"/>
+            <a:lvl7pPr marL="1810786" indent="0" algn="ctr">
+              <a:buNone/>
+              <a:defRPr sz="1056"/>
             </a:lvl7pPr>
-            <a:lvl8pPr marL="2986933" indent="0" algn="ctr">
-              <a:buNone/>
-              <a:defRPr sz="1493"/>
+            <a:lvl8pPr marL="2112584" indent="0" algn="ctr">
+              <a:buNone/>
+              <a:defRPr sz="1056"/>
             </a:lvl8pPr>
-            <a:lvl9pPr marL="3413638" indent="0" algn="ctr">
-              <a:buNone/>
-              <a:defRPr sz="1493"/>
+            <a:lvl9pPr marL="2414382" indent="0" algn="ctr">
+              <a:buNone/>
+              <a:defRPr sz="1056"/>
             </a:lvl9pPr>
           </a:lstStyle>
           <a:p>
@@ -1356,7 +1356,7 @@
     </p:spTree>
     <p:extLst>
       <p:ext uri="{BB962C8B-B14F-4D97-AF65-F5344CB8AC3E}">
-        <p14:creationId xmlns:p14="http://schemas.microsoft.com/office/powerpoint/2010/main" val="2596543734"/>
+        <p14:creationId xmlns:p14="http://schemas.microsoft.com/office/powerpoint/2010/main" val="1837165436"/>
       </p:ext>
     </p:extLst>
   </p:cSld>
@@ -1526,7 +1526,7 @@
     </p:spTree>
     <p:extLst>
       <p:ext uri="{BB962C8B-B14F-4D97-AF65-F5344CB8AC3E}">
-        <p14:creationId xmlns:p14="http://schemas.microsoft.com/office/powerpoint/2010/main" val="2412793636"/>
+        <p14:creationId xmlns:p14="http://schemas.microsoft.com/office/powerpoint/2010/main" val="1634422042"/>
       </p:ext>
     </p:extLst>
   </p:cSld>
@@ -1565,8 +1565,8 @@
         </p:nvSpPr>
         <p:spPr>
           <a:xfrm>
-            <a:off x="6870859" y="340783"/>
-            <a:ext cx="2070259" cy="5424382"/>
+            <a:off x="4319280" y="311540"/>
+            <a:ext cx="1301442" cy="4958897"/>
           </a:xfrm>
         </p:spPr>
         <p:txBody>
@@ -1593,8 +1593,8 @@
         </p:nvSpPr>
         <p:spPr>
           <a:xfrm>
-            <a:off x="660083" y="340783"/>
-            <a:ext cx="6090761" cy="5424382"/>
+            <a:off x="414953" y="311540"/>
+            <a:ext cx="3828881" cy="4958897"/>
           </a:xfrm>
         </p:spPr>
         <p:txBody>
@@ -1706,7 +1706,7 @@
     </p:spTree>
     <p:extLst>
       <p:ext uri="{BB962C8B-B14F-4D97-AF65-F5344CB8AC3E}">
-        <p14:creationId xmlns:p14="http://schemas.microsoft.com/office/powerpoint/2010/main" val="4225162631"/>
+        <p14:creationId xmlns:p14="http://schemas.microsoft.com/office/powerpoint/2010/main" val="4102242441"/>
       </p:ext>
     </p:extLst>
   </p:cSld>
@@ -1876,7 +1876,7 @@
     </p:spTree>
     <p:extLst>
       <p:ext uri="{BB962C8B-B14F-4D97-AF65-F5344CB8AC3E}">
-        <p14:creationId xmlns:p14="http://schemas.microsoft.com/office/powerpoint/2010/main" val="3946596420"/>
+        <p14:creationId xmlns:p14="http://schemas.microsoft.com/office/powerpoint/2010/main" val="603518957"/>
       </p:ext>
     </p:extLst>
   </p:cSld>
@@ -1915,15 +1915,15 @@
         </p:nvSpPr>
         <p:spPr>
           <a:xfrm>
-            <a:off x="655082" y="1595757"/>
-            <a:ext cx="8281035" cy="2662555"/>
+            <a:off x="411809" y="1458820"/>
+            <a:ext cx="5205770" cy="2434071"/>
           </a:xfrm>
         </p:spPr>
         <p:txBody>
           <a:bodyPr anchor="b"/>
           <a:lstStyle>
             <a:lvl1pPr>
-              <a:defRPr sz="5600"/>
+              <a:defRPr sz="3961"/>
             </a:lvl1pPr>
           </a:lstStyle>
           <a:p>
@@ -1947,8 +1947,8 @@
         </p:nvSpPr>
         <p:spPr>
           <a:xfrm>
-            <a:off x="655082" y="4283500"/>
-            <a:ext cx="8281035" cy="1400175"/>
+            <a:off x="411809" y="3915918"/>
+            <a:ext cx="5205770" cy="1280021"/>
           </a:xfrm>
         </p:spPr>
         <p:txBody>
@@ -1956,15 +1956,15 @@
           <a:lstStyle>
             <a:lvl1pPr marL="0" indent="0">
               <a:buNone/>
-              <a:defRPr sz="2240">
+              <a:defRPr sz="1584">
                 <a:solidFill>
                   <a:schemeClr val="tx1"/>
                 </a:solidFill>
               </a:defRPr>
             </a:lvl1pPr>
-            <a:lvl2pPr marL="426705" indent="0">
-              <a:buNone/>
-              <a:defRPr sz="1867">
+            <a:lvl2pPr marL="301798" indent="0">
+              <a:buNone/>
+              <a:defRPr sz="1320">
                 <a:solidFill>
                   <a:schemeClr val="tx1">
                     <a:tint val="75000"/>
@@ -1972,9 +1972,9 @@
                 </a:solidFill>
               </a:defRPr>
             </a:lvl2pPr>
-            <a:lvl3pPr marL="853410" indent="0">
-              <a:buNone/>
-              <a:defRPr sz="1680">
+            <a:lvl3pPr marL="603595" indent="0">
+              <a:buNone/>
+              <a:defRPr sz="1188">
                 <a:solidFill>
                   <a:schemeClr val="tx1">
                     <a:tint val="75000"/>
@@ -1982,9 +1982,9 @@
                 </a:solidFill>
               </a:defRPr>
             </a:lvl3pPr>
-            <a:lvl4pPr marL="1280114" indent="0">
-              <a:buNone/>
-              <a:defRPr sz="1493">
+            <a:lvl4pPr marL="905393" indent="0">
+              <a:buNone/>
+              <a:defRPr sz="1056">
                 <a:solidFill>
                   <a:schemeClr val="tx1">
                     <a:tint val="75000"/>
@@ -1992,9 +1992,9 @@
                 </a:solidFill>
               </a:defRPr>
             </a:lvl4pPr>
-            <a:lvl5pPr marL="1706819" indent="0">
-              <a:buNone/>
-              <a:defRPr sz="1493">
+            <a:lvl5pPr marL="1207191" indent="0">
+              <a:buNone/>
+              <a:defRPr sz="1056">
                 <a:solidFill>
                   <a:schemeClr val="tx1">
                     <a:tint val="75000"/>
@@ -2002,9 +2002,9 @@
                 </a:solidFill>
               </a:defRPr>
             </a:lvl5pPr>
-            <a:lvl6pPr marL="2133524" indent="0">
-              <a:buNone/>
-              <a:defRPr sz="1493">
+            <a:lvl6pPr marL="1508989" indent="0">
+              <a:buNone/>
+              <a:defRPr sz="1056">
                 <a:solidFill>
                   <a:schemeClr val="tx1">
                     <a:tint val="75000"/>
@@ -2012,9 +2012,9 @@
                 </a:solidFill>
               </a:defRPr>
             </a:lvl6pPr>
-            <a:lvl7pPr marL="2560229" indent="0">
-              <a:buNone/>
-              <a:defRPr sz="1493">
+            <a:lvl7pPr marL="1810786" indent="0">
+              <a:buNone/>
+              <a:defRPr sz="1056">
                 <a:solidFill>
                   <a:schemeClr val="tx1">
                     <a:tint val="75000"/>
@@ -2022,9 +2022,9 @@
                 </a:solidFill>
               </a:defRPr>
             </a:lvl7pPr>
-            <a:lvl8pPr marL="2986933" indent="0">
-              <a:buNone/>
-              <a:defRPr sz="1493">
+            <a:lvl8pPr marL="2112584" indent="0">
+              <a:buNone/>
+              <a:defRPr sz="1056">
                 <a:solidFill>
                   <a:schemeClr val="tx1">
                     <a:tint val="75000"/>
@@ -2032,9 +2032,9 @@
                 </a:solidFill>
               </a:defRPr>
             </a:lvl8pPr>
-            <a:lvl9pPr marL="3413638" indent="0">
-              <a:buNone/>
-              <a:defRPr sz="1493">
+            <a:lvl9pPr marL="2414382" indent="0">
+              <a:buNone/>
+              <a:defRPr sz="1056">
                 <a:solidFill>
                   <a:schemeClr val="tx1">
                     <a:tint val="75000"/>
@@ -2120,7 +2120,7 @@
     </p:spTree>
     <p:extLst>
       <p:ext uri="{BB962C8B-B14F-4D97-AF65-F5344CB8AC3E}">
-        <p14:creationId xmlns:p14="http://schemas.microsoft.com/office/powerpoint/2010/main" val="2285515219"/>
+        <p14:creationId xmlns:p14="http://schemas.microsoft.com/office/powerpoint/2010/main" val="2441684844"/>
       </p:ext>
     </p:extLst>
   </p:cSld>
@@ -2182,8 +2182,8 @@
         </p:nvSpPr>
         <p:spPr>
           <a:xfrm>
-            <a:off x="660083" y="1703917"/>
-            <a:ext cx="4080510" cy="4061249"/>
+            <a:off x="414953" y="1557698"/>
+            <a:ext cx="2565162" cy="3712739"/>
           </a:xfrm>
         </p:spPr>
         <p:txBody>
@@ -2239,8 +2239,8 @@
         </p:nvSpPr>
         <p:spPr>
           <a:xfrm>
-            <a:off x="4860608" y="1703917"/>
-            <a:ext cx="4080510" cy="4061249"/>
+            <a:off x="3055560" y="1557698"/>
+            <a:ext cx="2565162" cy="3712739"/>
           </a:xfrm>
         </p:spPr>
         <p:txBody>
@@ -2352,7 +2352,7 @@
     </p:spTree>
     <p:extLst>
       <p:ext uri="{BB962C8B-B14F-4D97-AF65-F5344CB8AC3E}">
-        <p14:creationId xmlns:p14="http://schemas.microsoft.com/office/powerpoint/2010/main" val="147256766"/>
+        <p14:creationId xmlns:p14="http://schemas.microsoft.com/office/powerpoint/2010/main" val="3897163351"/>
       </p:ext>
     </p:extLst>
   </p:cSld>
@@ -2391,8 +2391,8 @@
         </p:nvSpPr>
         <p:spPr>
           <a:xfrm>
-            <a:off x="661333" y="340785"/>
-            <a:ext cx="8281035" cy="1237192"/>
+            <a:off x="415739" y="311541"/>
+            <a:ext cx="5205770" cy="1131024"/>
           </a:xfrm>
         </p:spPr>
         <p:txBody>
@@ -2419,8 +2419,8 @@
         </p:nvSpPr>
         <p:spPr>
           <a:xfrm>
-            <a:off x="661334" y="1569085"/>
-            <a:ext cx="4061757" cy="768985"/>
+            <a:off x="415739" y="1434437"/>
+            <a:ext cx="2553373" cy="702995"/>
           </a:xfrm>
         </p:spPr>
         <p:txBody>
@@ -2428,39 +2428,39 @@
           <a:lstStyle>
             <a:lvl1pPr marL="0" indent="0">
               <a:buNone/>
-              <a:defRPr sz="2240" b="1"/>
+              <a:defRPr sz="1584" b="1"/>
             </a:lvl1pPr>
-            <a:lvl2pPr marL="426705" indent="0">
-              <a:buNone/>
-              <a:defRPr sz="1867" b="1"/>
+            <a:lvl2pPr marL="301798" indent="0">
+              <a:buNone/>
+              <a:defRPr sz="1320" b="1"/>
             </a:lvl2pPr>
-            <a:lvl3pPr marL="853410" indent="0">
-              <a:buNone/>
-              <a:defRPr sz="1680" b="1"/>
+            <a:lvl3pPr marL="603595" indent="0">
+              <a:buNone/>
+              <a:defRPr sz="1188" b="1"/>
             </a:lvl3pPr>
-            <a:lvl4pPr marL="1280114" indent="0">
-              <a:buNone/>
-              <a:defRPr sz="1493" b="1"/>
+            <a:lvl4pPr marL="905393" indent="0">
+              <a:buNone/>
+              <a:defRPr sz="1056" b="1"/>
             </a:lvl4pPr>
-            <a:lvl5pPr marL="1706819" indent="0">
-              <a:buNone/>
-              <a:defRPr sz="1493" b="1"/>
+            <a:lvl5pPr marL="1207191" indent="0">
+              <a:buNone/>
+              <a:defRPr sz="1056" b="1"/>
             </a:lvl5pPr>
-            <a:lvl6pPr marL="2133524" indent="0">
-              <a:buNone/>
-              <a:defRPr sz="1493" b="1"/>
+            <a:lvl6pPr marL="1508989" indent="0">
+              <a:buNone/>
+              <a:defRPr sz="1056" b="1"/>
             </a:lvl6pPr>
-            <a:lvl7pPr marL="2560229" indent="0">
-              <a:buNone/>
-              <a:defRPr sz="1493" b="1"/>
+            <a:lvl7pPr marL="1810786" indent="0">
+              <a:buNone/>
+              <a:defRPr sz="1056" b="1"/>
             </a:lvl7pPr>
-            <a:lvl8pPr marL="2986933" indent="0">
-              <a:buNone/>
-              <a:defRPr sz="1493" b="1"/>
+            <a:lvl8pPr marL="2112584" indent="0">
+              <a:buNone/>
+              <a:defRPr sz="1056" b="1"/>
             </a:lvl8pPr>
-            <a:lvl9pPr marL="3413638" indent="0">
-              <a:buNone/>
-              <a:defRPr sz="1493" b="1"/>
+            <a:lvl9pPr marL="2414382" indent="0">
+              <a:buNone/>
+              <a:defRPr sz="1056" b="1"/>
             </a:lvl9pPr>
           </a:lstStyle>
           <a:p>
@@ -2484,8 +2484,8 @@
         </p:nvSpPr>
         <p:spPr>
           <a:xfrm>
-            <a:off x="661334" y="2338070"/>
-            <a:ext cx="4061757" cy="3438949"/>
+            <a:off x="415739" y="2137432"/>
+            <a:ext cx="2553373" cy="3143841"/>
           </a:xfrm>
         </p:spPr>
         <p:txBody>
@@ -2541,8 +2541,8 @@
         </p:nvSpPr>
         <p:spPr>
           <a:xfrm>
-            <a:off x="4860608" y="1569085"/>
-            <a:ext cx="4081761" cy="768985"/>
+            <a:off x="3055561" y="1434437"/>
+            <a:ext cx="2565948" cy="702995"/>
           </a:xfrm>
         </p:spPr>
         <p:txBody>
@@ -2550,39 +2550,39 @@
           <a:lstStyle>
             <a:lvl1pPr marL="0" indent="0">
               <a:buNone/>
-              <a:defRPr sz="2240" b="1"/>
+              <a:defRPr sz="1584" b="1"/>
             </a:lvl1pPr>
-            <a:lvl2pPr marL="426705" indent="0">
-              <a:buNone/>
-              <a:defRPr sz="1867" b="1"/>
+            <a:lvl2pPr marL="301798" indent="0">
+              <a:buNone/>
+              <a:defRPr sz="1320" b="1"/>
             </a:lvl2pPr>
-            <a:lvl3pPr marL="853410" indent="0">
-              <a:buNone/>
-              <a:defRPr sz="1680" b="1"/>
+            <a:lvl3pPr marL="603595" indent="0">
+              <a:buNone/>
+              <a:defRPr sz="1188" b="1"/>
             </a:lvl3pPr>
-            <a:lvl4pPr marL="1280114" indent="0">
-              <a:buNone/>
-              <a:defRPr sz="1493" b="1"/>
+            <a:lvl4pPr marL="905393" indent="0">
+              <a:buNone/>
+              <a:defRPr sz="1056" b="1"/>
             </a:lvl4pPr>
-            <a:lvl5pPr marL="1706819" indent="0">
-              <a:buNone/>
-              <a:defRPr sz="1493" b="1"/>
+            <a:lvl5pPr marL="1207191" indent="0">
+              <a:buNone/>
+              <a:defRPr sz="1056" b="1"/>
             </a:lvl5pPr>
-            <a:lvl6pPr marL="2133524" indent="0">
-              <a:buNone/>
-              <a:defRPr sz="1493" b="1"/>
+            <a:lvl6pPr marL="1508989" indent="0">
+              <a:buNone/>
+              <a:defRPr sz="1056" b="1"/>
             </a:lvl6pPr>
-            <a:lvl7pPr marL="2560229" indent="0">
-              <a:buNone/>
-              <a:defRPr sz="1493" b="1"/>
+            <a:lvl7pPr marL="1810786" indent="0">
+              <a:buNone/>
+              <a:defRPr sz="1056" b="1"/>
             </a:lvl7pPr>
-            <a:lvl8pPr marL="2986933" indent="0">
-              <a:buNone/>
-              <a:defRPr sz="1493" b="1"/>
+            <a:lvl8pPr marL="2112584" indent="0">
+              <a:buNone/>
+              <a:defRPr sz="1056" b="1"/>
             </a:lvl8pPr>
-            <a:lvl9pPr marL="3413638" indent="0">
-              <a:buNone/>
-              <a:defRPr sz="1493" b="1"/>
+            <a:lvl9pPr marL="2414382" indent="0">
+              <a:buNone/>
+              <a:defRPr sz="1056" b="1"/>
             </a:lvl9pPr>
           </a:lstStyle>
           <a:p>
@@ -2606,8 +2606,8 @@
         </p:nvSpPr>
         <p:spPr>
           <a:xfrm>
-            <a:off x="4860608" y="2338070"/>
-            <a:ext cx="4081761" cy="3438949"/>
+            <a:off x="3055561" y="2137432"/>
+            <a:ext cx="2565948" cy="3143841"/>
           </a:xfrm>
         </p:spPr>
         <p:txBody>
@@ -2719,7 +2719,7 @@
     </p:spTree>
     <p:extLst>
       <p:ext uri="{BB962C8B-B14F-4D97-AF65-F5344CB8AC3E}">
-        <p14:creationId xmlns:p14="http://schemas.microsoft.com/office/powerpoint/2010/main" val="2778938523"/>
+        <p14:creationId xmlns:p14="http://schemas.microsoft.com/office/powerpoint/2010/main" val="2432035877"/>
       </p:ext>
     </p:extLst>
   </p:cSld>
@@ -2837,7 +2837,7 @@
     </p:spTree>
     <p:extLst>
       <p:ext uri="{BB962C8B-B14F-4D97-AF65-F5344CB8AC3E}">
-        <p14:creationId xmlns:p14="http://schemas.microsoft.com/office/powerpoint/2010/main" val="1116603511"/>
+        <p14:creationId xmlns:p14="http://schemas.microsoft.com/office/powerpoint/2010/main" val="2028769835"/>
       </p:ext>
     </p:extLst>
   </p:cSld>
@@ -2932,7 +2932,7 @@
     </p:spTree>
     <p:extLst>
       <p:ext uri="{BB962C8B-B14F-4D97-AF65-F5344CB8AC3E}">
-        <p14:creationId xmlns:p14="http://schemas.microsoft.com/office/powerpoint/2010/main" val="3540528494"/>
+        <p14:creationId xmlns:p14="http://schemas.microsoft.com/office/powerpoint/2010/main" val="469218436"/>
       </p:ext>
     </p:extLst>
   </p:cSld>
@@ -2971,15 +2971,15 @@
         </p:nvSpPr>
         <p:spPr>
           <a:xfrm>
-            <a:off x="661333" y="426720"/>
-            <a:ext cx="3096637" cy="1493520"/>
+            <a:off x="415739" y="390102"/>
+            <a:ext cx="1946662" cy="1365356"/>
           </a:xfrm>
         </p:spPr>
         <p:txBody>
           <a:bodyPr anchor="b"/>
           <a:lstStyle>
             <a:lvl1pPr>
-              <a:defRPr sz="2987"/>
+              <a:defRPr sz="2112"/>
             </a:lvl1pPr>
           </a:lstStyle>
           <a:p>
@@ -3003,39 +3003,39 @@
         </p:nvSpPr>
         <p:spPr>
           <a:xfrm>
-            <a:off x="4081760" y="921598"/>
-            <a:ext cx="4860608" cy="4548717"/>
+            <a:off x="2565948" y="842513"/>
+            <a:ext cx="3055560" cy="4158375"/>
           </a:xfrm>
         </p:spPr>
         <p:txBody>
           <a:bodyPr/>
           <a:lstStyle>
             <a:lvl1pPr>
-              <a:defRPr sz="2987"/>
+              <a:defRPr sz="2112"/>
             </a:lvl1pPr>
             <a:lvl2pPr>
-              <a:defRPr sz="2613"/>
+              <a:defRPr sz="1848"/>
             </a:lvl2pPr>
             <a:lvl3pPr>
-              <a:defRPr sz="2240"/>
+              <a:defRPr sz="1584"/>
             </a:lvl3pPr>
             <a:lvl4pPr>
-              <a:defRPr sz="1867"/>
+              <a:defRPr sz="1320"/>
             </a:lvl4pPr>
             <a:lvl5pPr>
-              <a:defRPr sz="1867"/>
+              <a:defRPr sz="1320"/>
             </a:lvl5pPr>
             <a:lvl6pPr>
-              <a:defRPr sz="1867"/>
+              <a:defRPr sz="1320"/>
             </a:lvl6pPr>
             <a:lvl7pPr>
-              <a:defRPr sz="1867"/>
+              <a:defRPr sz="1320"/>
             </a:lvl7pPr>
             <a:lvl8pPr>
-              <a:defRPr sz="1867"/>
+              <a:defRPr sz="1320"/>
             </a:lvl8pPr>
             <a:lvl9pPr>
-              <a:defRPr sz="1867"/>
+              <a:defRPr sz="1320"/>
             </a:lvl9pPr>
           </a:lstStyle>
           <a:p>
@@ -3088,8 +3088,8 @@
         </p:nvSpPr>
         <p:spPr>
           <a:xfrm>
-            <a:off x="661333" y="1920240"/>
-            <a:ext cx="3096637" cy="3557482"/>
+            <a:off x="415739" y="1755458"/>
+            <a:ext cx="1946662" cy="3252202"/>
           </a:xfrm>
         </p:spPr>
         <p:txBody>
@@ -3097,39 +3097,39 @@
           <a:lstStyle>
             <a:lvl1pPr marL="0" indent="0">
               <a:buNone/>
-              <a:defRPr sz="1493"/>
+              <a:defRPr sz="1056"/>
             </a:lvl1pPr>
-            <a:lvl2pPr marL="426705" indent="0">
-              <a:buNone/>
-              <a:defRPr sz="1307"/>
+            <a:lvl2pPr marL="301798" indent="0">
+              <a:buNone/>
+              <a:defRPr sz="924"/>
             </a:lvl2pPr>
-            <a:lvl3pPr marL="853410" indent="0">
-              <a:buNone/>
-              <a:defRPr sz="1120"/>
+            <a:lvl3pPr marL="603595" indent="0">
+              <a:buNone/>
+              <a:defRPr sz="792"/>
             </a:lvl3pPr>
-            <a:lvl4pPr marL="1280114" indent="0">
-              <a:buNone/>
-              <a:defRPr sz="933"/>
+            <a:lvl4pPr marL="905393" indent="0">
+              <a:buNone/>
+              <a:defRPr sz="660"/>
             </a:lvl4pPr>
-            <a:lvl5pPr marL="1706819" indent="0">
-              <a:buNone/>
-              <a:defRPr sz="933"/>
+            <a:lvl5pPr marL="1207191" indent="0">
+              <a:buNone/>
+              <a:defRPr sz="660"/>
             </a:lvl5pPr>
-            <a:lvl6pPr marL="2133524" indent="0">
-              <a:buNone/>
-              <a:defRPr sz="933"/>
+            <a:lvl6pPr marL="1508989" indent="0">
+              <a:buNone/>
+              <a:defRPr sz="660"/>
             </a:lvl6pPr>
-            <a:lvl7pPr marL="2560229" indent="0">
-              <a:buNone/>
-              <a:defRPr sz="933"/>
+            <a:lvl7pPr marL="1810786" indent="0">
+              <a:buNone/>
+              <a:defRPr sz="660"/>
             </a:lvl7pPr>
-            <a:lvl8pPr marL="2986933" indent="0">
-              <a:buNone/>
-              <a:defRPr sz="933"/>
+            <a:lvl8pPr marL="2112584" indent="0">
+              <a:buNone/>
+              <a:defRPr sz="660"/>
             </a:lvl8pPr>
-            <a:lvl9pPr marL="3413638" indent="0">
-              <a:buNone/>
-              <a:defRPr sz="933"/>
+            <a:lvl9pPr marL="2414382" indent="0">
+              <a:buNone/>
+              <a:defRPr sz="660"/>
             </a:lvl9pPr>
           </a:lstStyle>
           <a:p>
@@ -3209,7 +3209,7 @@
     </p:spTree>
     <p:extLst>
       <p:ext uri="{BB962C8B-B14F-4D97-AF65-F5344CB8AC3E}">
-        <p14:creationId xmlns:p14="http://schemas.microsoft.com/office/powerpoint/2010/main" val="789561215"/>
+        <p14:creationId xmlns:p14="http://schemas.microsoft.com/office/powerpoint/2010/main" val="579541146"/>
       </p:ext>
     </p:extLst>
   </p:cSld>
@@ -3248,15 +3248,15 @@
         </p:nvSpPr>
         <p:spPr>
           <a:xfrm>
-            <a:off x="661333" y="426720"/>
-            <a:ext cx="3096637" cy="1493520"/>
+            <a:off x="415739" y="390102"/>
+            <a:ext cx="1946662" cy="1365356"/>
           </a:xfrm>
         </p:spPr>
         <p:txBody>
           <a:bodyPr anchor="b"/>
           <a:lstStyle>
             <a:lvl1pPr>
-              <a:defRPr sz="2987"/>
+              <a:defRPr sz="2112"/>
             </a:lvl1pPr>
           </a:lstStyle>
           <a:p>
@@ -3280,8 +3280,8 @@
         </p:nvSpPr>
         <p:spPr>
           <a:xfrm>
-            <a:off x="4081760" y="921598"/>
-            <a:ext cx="4860608" cy="4548717"/>
+            <a:off x="2565948" y="842513"/>
+            <a:ext cx="3055560" cy="4158375"/>
           </a:xfrm>
         </p:spPr>
         <p:txBody>
@@ -3289,39 +3289,39 @@
           <a:lstStyle>
             <a:lvl1pPr marL="0" indent="0">
               <a:buNone/>
-              <a:defRPr sz="2987"/>
+              <a:defRPr sz="2112"/>
             </a:lvl1pPr>
-            <a:lvl2pPr marL="426705" indent="0">
-              <a:buNone/>
-              <a:defRPr sz="2613"/>
+            <a:lvl2pPr marL="301798" indent="0">
+              <a:buNone/>
+              <a:defRPr sz="1848"/>
             </a:lvl2pPr>
-            <a:lvl3pPr marL="853410" indent="0">
-              <a:buNone/>
-              <a:defRPr sz="2240"/>
+            <a:lvl3pPr marL="603595" indent="0">
+              <a:buNone/>
+              <a:defRPr sz="1584"/>
             </a:lvl3pPr>
-            <a:lvl4pPr marL="1280114" indent="0">
-              <a:buNone/>
-              <a:defRPr sz="1867"/>
+            <a:lvl4pPr marL="905393" indent="0">
+              <a:buNone/>
+              <a:defRPr sz="1320"/>
             </a:lvl4pPr>
-            <a:lvl5pPr marL="1706819" indent="0">
-              <a:buNone/>
-              <a:defRPr sz="1867"/>
+            <a:lvl5pPr marL="1207191" indent="0">
+              <a:buNone/>
+              <a:defRPr sz="1320"/>
             </a:lvl5pPr>
-            <a:lvl6pPr marL="2133524" indent="0">
-              <a:buNone/>
-              <a:defRPr sz="1867"/>
+            <a:lvl6pPr marL="1508989" indent="0">
+              <a:buNone/>
+              <a:defRPr sz="1320"/>
             </a:lvl6pPr>
-            <a:lvl7pPr marL="2560229" indent="0">
-              <a:buNone/>
-              <a:defRPr sz="1867"/>
+            <a:lvl7pPr marL="1810786" indent="0">
+              <a:buNone/>
+              <a:defRPr sz="1320"/>
             </a:lvl7pPr>
-            <a:lvl8pPr marL="2986933" indent="0">
-              <a:buNone/>
-              <a:defRPr sz="1867"/>
+            <a:lvl8pPr marL="2112584" indent="0">
+              <a:buNone/>
+              <a:defRPr sz="1320"/>
             </a:lvl8pPr>
-            <a:lvl9pPr marL="3413638" indent="0">
-              <a:buNone/>
-              <a:defRPr sz="1867"/>
+            <a:lvl9pPr marL="2414382" indent="0">
+              <a:buNone/>
+              <a:defRPr sz="1320"/>
             </a:lvl9pPr>
           </a:lstStyle>
           <a:p>
@@ -3345,8 +3345,8 @@
         </p:nvSpPr>
         <p:spPr>
           <a:xfrm>
-            <a:off x="661333" y="1920240"/>
-            <a:ext cx="3096637" cy="3557482"/>
+            <a:off x="415739" y="1755458"/>
+            <a:ext cx="1946662" cy="3252202"/>
           </a:xfrm>
         </p:spPr>
         <p:txBody>
@@ -3354,39 +3354,39 @@
           <a:lstStyle>
             <a:lvl1pPr marL="0" indent="0">
               <a:buNone/>
-              <a:defRPr sz="1493"/>
+              <a:defRPr sz="1056"/>
             </a:lvl1pPr>
-            <a:lvl2pPr marL="426705" indent="0">
-              <a:buNone/>
-              <a:defRPr sz="1307"/>
+            <a:lvl2pPr marL="301798" indent="0">
+              <a:buNone/>
+              <a:defRPr sz="924"/>
             </a:lvl2pPr>
-            <a:lvl3pPr marL="853410" indent="0">
-              <a:buNone/>
-              <a:defRPr sz="1120"/>
+            <a:lvl3pPr marL="603595" indent="0">
+              <a:buNone/>
+              <a:defRPr sz="792"/>
             </a:lvl3pPr>
-            <a:lvl4pPr marL="1280114" indent="0">
-              <a:buNone/>
-              <a:defRPr sz="933"/>
+            <a:lvl4pPr marL="905393" indent="0">
+              <a:buNone/>
+              <a:defRPr sz="660"/>
             </a:lvl4pPr>
-            <a:lvl5pPr marL="1706819" indent="0">
-              <a:buNone/>
-              <a:defRPr sz="933"/>
+            <a:lvl5pPr marL="1207191" indent="0">
+              <a:buNone/>
+              <a:defRPr sz="660"/>
             </a:lvl5pPr>
-            <a:lvl6pPr marL="2133524" indent="0">
-              <a:buNone/>
-              <a:defRPr sz="933"/>
+            <a:lvl6pPr marL="1508989" indent="0">
+              <a:buNone/>
+              <a:defRPr sz="660"/>
             </a:lvl6pPr>
-            <a:lvl7pPr marL="2560229" indent="0">
-              <a:buNone/>
-              <a:defRPr sz="933"/>
+            <a:lvl7pPr marL="1810786" indent="0">
+              <a:buNone/>
+              <a:defRPr sz="660"/>
             </a:lvl7pPr>
-            <a:lvl8pPr marL="2986933" indent="0">
-              <a:buNone/>
-              <a:defRPr sz="933"/>
+            <a:lvl8pPr marL="2112584" indent="0">
+              <a:buNone/>
+              <a:defRPr sz="660"/>
             </a:lvl8pPr>
-            <a:lvl9pPr marL="3413638" indent="0">
-              <a:buNone/>
-              <a:defRPr sz="933"/>
+            <a:lvl9pPr marL="2414382" indent="0">
+              <a:buNone/>
+              <a:defRPr sz="660"/>
             </a:lvl9pPr>
           </a:lstStyle>
           <a:p>
@@ -3466,7 +3466,7 @@
     </p:spTree>
     <p:extLst>
       <p:ext uri="{BB962C8B-B14F-4D97-AF65-F5344CB8AC3E}">
-        <p14:creationId xmlns:p14="http://schemas.microsoft.com/office/powerpoint/2010/main" val="3417535566"/>
+        <p14:creationId xmlns:p14="http://schemas.microsoft.com/office/powerpoint/2010/main" val="2594126087"/>
       </p:ext>
     </p:extLst>
   </p:cSld>
@@ -3510,8 +3510,8 @@
         </p:nvSpPr>
         <p:spPr>
           <a:xfrm>
-            <a:off x="660083" y="340785"/>
-            <a:ext cx="8281035" cy="1237192"/>
+            <a:off x="414953" y="311541"/>
+            <a:ext cx="5205770" cy="1131024"/>
           </a:xfrm>
           <a:prstGeom prst="rect">
             <a:avLst/>
@@ -3543,8 +3543,8 @@
         </p:nvSpPr>
         <p:spPr>
           <a:xfrm>
-            <a:off x="660083" y="1703917"/>
-            <a:ext cx="8281035" cy="4061249"/>
+            <a:off x="414953" y="1557698"/>
+            <a:ext cx="5205770" cy="3712739"/>
           </a:xfrm>
           <a:prstGeom prst="rect">
             <a:avLst/>
@@ -3605,8 +3605,8 @@
         </p:nvSpPr>
         <p:spPr>
           <a:xfrm>
-            <a:off x="660083" y="5932595"/>
-            <a:ext cx="2160270" cy="340783"/>
+            <a:off x="414953" y="5423498"/>
+            <a:ext cx="1358027" cy="311540"/>
           </a:xfrm>
           <a:prstGeom prst="rect">
             <a:avLst/>
@@ -3616,7 +3616,7 @@
           <a:bodyPr vert="horz" lIns="91440" tIns="45720" rIns="91440" bIns="45720" rtlCol="0" anchor="ctr"/>
           <a:lstStyle>
             <a:lvl1pPr algn="l">
-              <a:defRPr sz="1120">
+              <a:defRPr sz="792">
                 <a:solidFill>
                   <a:schemeClr val="tx1">
                     <a:tint val="75000"/>
@@ -3646,8 +3646,8 @@
         </p:nvSpPr>
         <p:spPr>
           <a:xfrm>
-            <a:off x="3180398" y="5932595"/>
-            <a:ext cx="3240405" cy="340783"/>
+            <a:off x="1999318" y="5423498"/>
+            <a:ext cx="2037040" cy="311540"/>
           </a:xfrm>
           <a:prstGeom prst="rect">
             <a:avLst/>
@@ -3657,7 +3657,7 @@
           <a:bodyPr vert="horz" lIns="91440" tIns="45720" rIns="91440" bIns="45720" rtlCol="0" anchor="ctr"/>
           <a:lstStyle>
             <a:lvl1pPr algn="ctr">
-              <a:defRPr sz="1120">
+              <a:defRPr sz="792">
                 <a:solidFill>
                   <a:schemeClr val="tx1">
                     <a:tint val="75000"/>
@@ -3683,8 +3683,8 @@
         </p:nvSpPr>
         <p:spPr>
           <a:xfrm>
-            <a:off x="6780848" y="5932595"/>
-            <a:ext cx="2160270" cy="340783"/>
+            <a:off x="4262695" y="5423498"/>
+            <a:ext cx="1358027" cy="311540"/>
           </a:xfrm>
           <a:prstGeom prst="rect">
             <a:avLst/>
@@ -3694,7 +3694,7 @@
           <a:bodyPr vert="horz" lIns="91440" tIns="45720" rIns="91440" bIns="45720" rtlCol="0" anchor="ctr"/>
           <a:lstStyle>
             <a:lvl1pPr algn="r">
-              <a:defRPr sz="1120">
+              <a:defRPr sz="792">
                 <a:solidFill>
                   <a:schemeClr val="tx1">
                     <a:tint val="75000"/>
@@ -3715,27 +3715,27 @@
     </p:spTree>
     <p:extLst>
       <p:ext uri="{BB962C8B-B14F-4D97-AF65-F5344CB8AC3E}">
-        <p14:creationId xmlns:p14="http://schemas.microsoft.com/office/powerpoint/2010/main" val="570234196"/>
+        <p14:creationId xmlns:p14="http://schemas.microsoft.com/office/powerpoint/2010/main" val="3509301675"/>
       </p:ext>
     </p:extLst>
   </p:cSld>
   <p:clrMap bg1="lt1" tx1="dk1" bg2="lt2" tx2="dk2" accent1="accent1" accent2="accent2" accent3="accent3" accent4="accent4" accent5="accent5" accent6="accent6" hlink="hlink" folHlink="folHlink"/>
   <p:sldLayoutIdLst>
-    <p:sldLayoutId id="2147483709" r:id="rId1"/>
-    <p:sldLayoutId id="2147483710" r:id="rId2"/>
-    <p:sldLayoutId id="2147483711" r:id="rId3"/>
-    <p:sldLayoutId id="2147483712" r:id="rId4"/>
-    <p:sldLayoutId id="2147483713" r:id="rId5"/>
-    <p:sldLayoutId id="2147483714" r:id="rId6"/>
-    <p:sldLayoutId id="2147483715" r:id="rId7"/>
-    <p:sldLayoutId id="2147483716" r:id="rId8"/>
-    <p:sldLayoutId id="2147483717" r:id="rId9"/>
-    <p:sldLayoutId id="2147483718" r:id="rId10"/>
-    <p:sldLayoutId id="2147483719" r:id="rId11"/>
+    <p:sldLayoutId id="2147483733" r:id="rId1"/>
+    <p:sldLayoutId id="2147483734" r:id="rId2"/>
+    <p:sldLayoutId id="2147483735" r:id="rId3"/>
+    <p:sldLayoutId id="2147483736" r:id="rId4"/>
+    <p:sldLayoutId id="2147483737" r:id="rId5"/>
+    <p:sldLayoutId id="2147483738" r:id="rId6"/>
+    <p:sldLayoutId id="2147483739" r:id="rId7"/>
+    <p:sldLayoutId id="2147483740" r:id="rId8"/>
+    <p:sldLayoutId id="2147483741" r:id="rId9"/>
+    <p:sldLayoutId id="2147483742" r:id="rId10"/>
+    <p:sldLayoutId id="2147483743" r:id="rId11"/>
   </p:sldLayoutIdLst>
   <p:txStyles>
     <p:titleStyle>
-      <a:lvl1pPr algn="l" defTabSz="853410" rtl="0" eaLnBrk="1" latinLnBrk="0" hangingPunct="1">
+      <a:lvl1pPr algn="l" defTabSz="603595" rtl="0" eaLnBrk="1" latinLnBrk="0" hangingPunct="1">
         <a:lnSpc>
           <a:spcPct val="90000"/>
         </a:lnSpc>
@@ -3743,7 +3743,7 @@
           <a:spcPct val="0"/>
         </a:spcBef>
         <a:buNone/>
-        <a:defRPr sz="4107" kern="1200">
+        <a:defRPr sz="2904" kern="1200">
           <a:solidFill>
             <a:schemeClr val="tx1"/>
           </a:solidFill>
@@ -3754,16 +3754,16 @@
       </a:lvl1pPr>
     </p:titleStyle>
     <p:bodyStyle>
-      <a:lvl1pPr marL="213352" indent="-213352" algn="l" defTabSz="853410" rtl="0" eaLnBrk="1" latinLnBrk="0" hangingPunct="1">
+      <a:lvl1pPr marL="150899" indent="-150899" algn="l" defTabSz="603595" rtl="0" eaLnBrk="1" latinLnBrk="0" hangingPunct="1">
         <a:lnSpc>
           <a:spcPct val="90000"/>
         </a:lnSpc>
         <a:spcBef>
-          <a:spcPts val="933"/>
+          <a:spcPts val="660"/>
         </a:spcBef>
         <a:buFont typeface="Arial" panose="020B0604020202020204" pitchFamily="34" charset="0"/>
         <a:buChar char="•"/>
-        <a:defRPr sz="2613" kern="1200">
+        <a:defRPr sz="1848" kern="1200">
           <a:solidFill>
             <a:schemeClr val="tx1"/>
           </a:solidFill>
@@ -3772,16 +3772,16 @@
           <a:cs typeface="+mn-cs"/>
         </a:defRPr>
       </a:lvl1pPr>
-      <a:lvl2pPr marL="640057" indent="-213352" algn="l" defTabSz="853410" rtl="0" eaLnBrk="1" latinLnBrk="0" hangingPunct="1">
+      <a:lvl2pPr marL="452697" indent="-150899" algn="l" defTabSz="603595" rtl="0" eaLnBrk="1" latinLnBrk="0" hangingPunct="1">
         <a:lnSpc>
           <a:spcPct val="90000"/>
         </a:lnSpc>
         <a:spcBef>
-          <a:spcPts val="467"/>
+          <a:spcPts val="330"/>
         </a:spcBef>
         <a:buFont typeface="Arial" panose="020B0604020202020204" pitchFamily="34" charset="0"/>
         <a:buChar char="•"/>
-        <a:defRPr sz="2240" kern="1200">
+        <a:defRPr sz="1584" kern="1200">
           <a:solidFill>
             <a:schemeClr val="tx1"/>
           </a:solidFill>
@@ -3790,16 +3790,16 @@
           <a:cs typeface="+mn-cs"/>
         </a:defRPr>
       </a:lvl2pPr>
-      <a:lvl3pPr marL="1066762" indent="-213352" algn="l" defTabSz="853410" rtl="0" eaLnBrk="1" latinLnBrk="0" hangingPunct="1">
+      <a:lvl3pPr marL="754494" indent="-150899" algn="l" defTabSz="603595" rtl="0" eaLnBrk="1" latinLnBrk="0" hangingPunct="1">
         <a:lnSpc>
           <a:spcPct val="90000"/>
         </a:lnSpc>
         <a:spcBef>
-          <a:spcPts val="467"/>
+          <a:spcPts val="330"/>
         </a:spcBef>
         <a:buFont typeface="Arial" panose="020B0604020202020204" pitchFamily="34" charset="0"/>
         <a:buChar char="•"/>
-        <a:defRPr sz="1867" kern="1200">
+        <a:defRPr sz="1320" kern="1200">
           <a:solidFill>
             <a:schemeClr val="tx1"/>
           </a:solidFill>
@@ -3808,16 +3808,16 @@
           <a:cs typeface="+mn-cs"/>
         </a:defRPr>
       </a:lvl3pPr>
-      <a:lvl4pPr marL="1493467" indent="-213352" algn="l" defTabSz="853410" rtl="0" eaLnBrk="1" latinLnBrk="0" hangingPunct="1">
+      <a:lvl4pPr marL="1056292" indent="-150899" algn="l" defTabSz="603595" rtl="0" eaLnBrk="1" latinLnBrk="0" hangingPunct="1">
         <a:lnSpc>
           <a:spcPct val="90000"/>
         </a:lnSpc>
         <a:spcBef>
-          <a:spcPts val="467"/>
+          <a:spcPts val="330"/>
         </a:spcBef>
         <a:buFont typeface="Arial" panose="020B0604020202020204" pitchFamily="34" charset="0"/>
         <a:buChar char="•"/>
-        <a:defRPr sz="1680" kern="1200">
+        <a:defRPr sz="1188" kern="1200">
           <a:solidFill>
             <a:schemeClr val="tx1"/>
           </a:solidFill>
@@ -3826,16 +3826,16 @@
           <a:cs typeface="+mn-cs"/>
         </a:defRPr>
       </a:lvl4pPr>
-      <a:lvl5pPr marL="1920171" indent="-213352" algn="l" defTabSz="853410" rtl="0" eaLnBrk="1" latinLnBrk="0" hangingPunct="1">
+      <a:lvl5pPr marL="1358090" indent="-150899" algn="l" defTabSz="603595" rtl="0" eaLnBrk="1" latinLnBrk="0" hangingPunct="1">
         <a:lnSpc>
           <a:spcPct val="90000"/>
         </a:lnSpc>
         <a:spcBef>
-          <a:spcPts val="467"/>
+          <a:spcPts val="330"/>
         </a:spcBef>
         <a:buFont typeface="Arial" panose="020B0604020202020204" pitchFamily="34" charset="0"/>
         <a:buChar char="•"/>
-        <a:defRPr sz="1680" kern="1200">
+        <a:defRPr sz="1188" kern="1200">
           <a:solidFill>
             <a:schemeClr val="tx1"/>
           </a:solidFill>
@@ -3844,16 +3844,16 @@
           <a:cs typeface="+mn-cs"/>
         </a:defRPr>
       </a:lvl5pPr>
-      <a:lvl6pPr marL="2346876" indent="-213352" algn="l" defTabSz="853410" rtl="0" eaLnBrk="1" latinLnBrk="0" hangingPunct="1">
+      <a:lvl6pPr marL="1659887" indent="-150899" algn="l" defTabSz="603595" rtl="0" eaLnBrk="1" latinLnBrk="0" hangingPunct="1">
         <a:lnSpc>
           <a:spcPct val="90000"/>
         </a:lnSpc>
         <a:spcBef>
-          <a:spcPts val="467"/>
+          <a:spcPts val="330"/>
         </a:spcBef>
         <a:buFont typeface="Arial" panose="020B0604020202020204" pitchFamily="34" charset="0"/>
         <a:buChar char="•"/>
-        <a:defRPr sz="1680" kern="1200">
+        <a:defRPr sz="1188" kern="1200">
           <a:solidFill>
             <a:schemeClr val="tx1"/>
           </a:solidFill>
@@ -3862,16 +3862,16 @@
           <a:cs typeface="+mn-cs"/>
         </a:defRPr>
       </a:lvl6pPr>
-      <a:lvl7pPr marL="2773581" indent="-213352" algn="l" defTabSz="853410" rtl="0" eaLnBrk="1" latinLnBrk="0" hangingPunct="1">
+      <a:lvl7pPr marL="1961685" indent="-150899" algn="l" defTabSz="603595" rtl="0" eaLnBrk="1" latinLnBrk="0" hangingPunct="1">
         <a:lnSpc>
           <a:spcPct val="90000"/>
         </a:lnSpc>
         <a:spcBef>
-          <a:spcPts val="467"/>
+          <a:spcPts val="330"/>
         </a:spcBef>
         <a:buFont typeface="Arial" panose="020B0604020202020204" pitchFamily="34" charset="0"/>
         <a:buChar char="•"/>
-        <a:defRPr sz="1680" kern="1200">
+        <a:defRPr sz="1188" kern="1200">
           <a:solidFill>
             <a:schemeClr val="tx1"/>
           </a:solidFill>
@@ -3880,16 +3880,16 @@
           <a:cs typeface="+mn-cs"/>
         </a:defRPr>
       </a:lvl7pPr>
-      <a:lvl8pPr marL="3200286" indent="-213352" algn="l" defTabSz="853410" rtl="0" eaLnBrk="1" latinLnBrk="0" hangingPunct="1">
+      <a:lvl8pPr marL="2263483" indent="-150899" algn="l" defTabSz="603595" rtl="0" eaLnBrk="1" latinLnBrk="0" hangingPunct="1">
         <a:lnSpc>
           <a:spcPct val="90000"/>
         </a:lnSpc>
         <a:spcBef>
-          <a:spcPts val="467"/>
+          <a:spcPts val="330"/>
         </a:spcBef>
         <a:buFont typeface="Arial" panose="020B0604020202020204" pitchFamily="34" charset="0"/>
         <a:buChar char="•"/>
-        <a:defRPr sz="1680" kern="1200">
+        <a:defRPr sz="1188" kern="1200">
           <a:solidFill>
             <a:schemeClr val="tx1"/>
           </a:solidFill>
@@ -3898,16 +3898,16 @@
           <a:cs typeface="+mn-cs"/>
         </a:defRPr>
       </a:lvl8pPr>
-      <a:lvl9pPr marL="3626990" indent="-213352" algn="l" defTabSz="853410" rtl="0" eaLnBrk="1" latinLnBrk="0" hangingPunct="1">
+      <a:lvl9pPr marL="2565281" indent="-150899" algn="l" defTabSz="603595" rtl="0" eaLnBrk="1" latinLnBrk="0" hangingPunct="1">
         <a:lnSpc>
           <a:spcPct val="90000"/>
         </a:lnSpc>
         <a:spcBef>
-          <a:spcPts val="467"/>
+          <a:spcPts val="330"/>
         </a:spcBef>
         <a:buFont typeface="Arial" panose="020B0604020202020204" pitchFamily="34" charset="0"/>
         <a:buChar char="•"/>
-        <a:defRPr sz="1680" kern="1200">
+        <a:defRPr sz="1188" kern="1200">
           <a:solidFill>
             <a:schemeClr val="tx1"/>
           </a:solidFill>
@@ -3921,8 +3921,8 @@
       <a:defPPr>
         <a:defRPr lang="en-US"/>
       </a:defPPr>
-      <a:lvl1pPr marL="0" algn="l" defTabSz="853410" rtl="0" eaLnBrk="1" latinLnBrk="0" hangingPunct="1">
-        <a:defRPr sz="1680" kern="1200">
+      <a:lvl1pPr marL="0" algn="l" defTabSz="603595" rtl="0" eaLnBrk="1" latinLnBrk="0" hangingPunct="1">
+        <a:defRPr sz="1188" kern="1200">
           <a:solidFill>
             <a:schemeClr val="tx1"/>
           </a:solidFill>
@@ -3931,8 +3931,8 @@
           <a:cs typeface="+mn-cs"/>
         </a:defRPr>
       </a:lvl1pPr>
-      <a:lvl2pPr marL="426705" algn="l" defTabSz="853410" rtl="0" eaLnBrk="1" latinLnBrk="0" hangingPunct="1">
-        <a:defRPr sz="1680" kern="1200">
+      <a:lvl2pPr marL="301798" algn="l" defTabSz="603595" rtl="0" eaLnBrk="1" latinLnBrk="0" hangingPunct="1">
+        <a:defRPr sz="1188" kern="1200">
           <a:solidFill>
             <a:schemeClr val="tx1"/>
           </a:solidFill>
@@ -3941,8 +3941,8 @@
           <a:cs typeface="+mn-cs"/>
         </a:defRPr>
       </a:lvl2pPr>
-      <a:lvl3pPr marL="853410" algn="l" defTabSz="853410" rtl="0" eaLnBrk="1" latinLnBrk="0" hangingPunct="1">
-        <a:defRPr sz="1680" kern="1200">
+      <a:lvl3pPr marL="603595" algn="l" defTabSz="603595" rtl="0" eaLnBrk="1" latinLnBrk="0" hangingPunct="1">
+        <a:defRPr sz="1188" kern="1200">
           <a:solidFill>
             <a:schemeClr val="tx1"/>
           </a:solidFill>
@@ -3951,8 +3951,8 @@
           <a:cs typeface="+mn-cs"/>
         </a:defRPr>
       </a:lvl3pPr>
-      <a:lvl4pPr marL="1280114" algn="l" defTabSz="853410" rtl="0" eaLnBrk="1" latinLnBrk="0" hangingPunct="1">
-        <a:defRPr sz="1680" kern="1200">
+      <a:lvl4pPr marL="905393" algn="l" defTabSz="603595" rtl="0" eaLnBrk="1" latinLnBrk="0" hangingPunct="1">
+        <a:defRPr sz="1188" kern="1200">
           <a:solidFill>
             <a:schemeClr val="tx1"/>
           </a:solidFill>
@@ -3961,8 +3961,8 @@
           <a:cs typeface="+mn-cs"/>
         </a:defRPr>
       </a:lvl4pPr>
-      <a:lvl5pPr marL="1706819" algn="l" defTabSz="853410" rtl="0" eaLnBrk="1" latinLnBrk="0" hangingPunct="1">
-        <a:defRPr sz="1680" kern="1200">
+      <a:lvl5pPr marL="1207191" algn="l" defTabSz="603595" rtl="0" eaLnBrk="1" latinLnBrk="0" hangingPunct="1">
+        <a:defRPr sz="1188" kern="1200">
           <a:solidFill>
             <a:schemeClr val="tx1"/>
           </a:solidFill>
@@ -3971,8 +3971,8 @@
           <a:cs typeface="+mn-cs"/>
         </a:defRPr>
       </a:lvl5pPr>
-      <a:lvl6pPr marL="2133524" algn="l" defTabSz="853410" rtl="0" eaLnBrk="1" latinLnBrk="0" hangingPunct="1">
-        <a:defRPr sz="1680" kern="1200">
+      <a:lvl6pPr marL="1508989" algn="l" defTabSz="603595" rtl="0" eaLnBrk="1" latinLnBrk="0" hangingPunct="1">
+        <a:defRPr sz="1188" kern="1200">
           <a:solidFill>
             <a:schemeClr val="tx1"/>
           </a:solidFill>
@@ -3981,8 +3981,8 @@
           <a:cs typeface="+mn-cs"/>
         </a:defRPr>
       </a:lvl6pPr>
-      <a:lvl7pPr marL="2560229" algn="l" defTabSz="853410" rtl="0" eaLnBrk="1" latinLnBrk="0" hangingPunct="1">
-        <a:defRPr sz="1680" kern="1200">
+      <a:lvl7pPr marL="1810786" algn="l" defTabSz="603595" rtl="0" eaLnBrk="1" latinLnBrk="0" hangingPunct="1">
+        <a:defRPr sz="1188" kern="1200">
           <a:solidFill>
             <a:schemeClr val="tx1"/>
           </a:solidFill>
@@ -3991,8 +3991,8 @@
           <a:cs typeface="+mn-cs"/>
         </a:defRPr>
       </a:lvl7pPr>
-      <a:lvl8pPr marL="2986933" algn="l" defTabSz="853410" rtl="0" eaLnBrk="1" latinLnBrk="0" hangingPunct="1">
-        <a:defRPr sz="1680" kern="1200">
+      <a:lvl8pPr marL="2112584" algn="l" defTabSz="603595" rtl="0" eaLnBrk="1" latinLnBrk="0" hangingPunct="1">
+        <a:defRPr sz="1188" kern="1200">
           <a:solidFill>
             <a:schemeClr val="tx1"/>
           </a:solidFill>
@@ -4001,8 +4001,8 @@
           <a:cs typeface="+mn-cs"/>
         </a:defRPr>
       </a:lvl8pPr>
-      <a:lvl9pPr marL="3413638" algn="l" defTabSz="853410" rtl="0" eaLnBrk="1" latinLnBrk="0" hangingPunct="1">
-        <a:defRPr sz="1680" kern="1200">
+      <a:lvl9pPr marL="2414382" algn="l" defTabSz="603595" rtl="0" eaLnBrk="1" latinLnBrk="0" hangingPunct="1">
+        <a:defRPr sz="1188" kern="1200">
           <a:solidFill>
             <a:schemeClr val="tx1"/>
           </a:solidFill>
@@ -4042,14 +4042,14 @@
           <p:nvPr>
             <p:extLst>
               <p:ext uri="{D42A27DB-BD31-4B8C-83A1-F6EECF244321}">
-                <p14:modId xmlns:p14="http://schemas.microsoft.com/office/powerpoint/2010/main" val="1030546629"/>
+                <p14:modId xmlns:p14="http://schemas.microsoft.com/office/powerpoint/2010/main" val="3470184560"/>
               </p:ext>
             </p:extLst>
           </p:nvPr>
         </p:nvGraphicFramePr>
         <p:xfrm>
-          <a:off x="-1" y="0"/>
-          <a:ext cx="9816354" cy="6400800"/>
+          <a:off x="1" y="0"/>
+          <a:ext cx="6035674" cy="5851525"/>
         </p:xfrm>
         <a:graphic>
           <a:graphicData uri="http://schemas.openxmlformats.org/drawingml/2006/chart">
